--- a/Presentation/20122023-lab4tech/Ressource/Presentation IPv6-full.pptx
+++ b/Presentation/20122023-lab4tech/Ressource/Presentation IPv6-full.pptx
@@ -10,8 +10,9 @@
     <p:sldId id="258" r:id="rId4"/>
     <p:sldId id="259" r:id="rId5"/>
     <p:sldId id="260" r:id="rId6"/>
-    <p:sldId id="261" r:id="rId7"/>
-    <p:sldId id="262" r:id="rId8"/>
+    <p:sldId id="263" r:id="rId7"/>
+    <p:sldId id="261" r:id="rId8"/>
+    <p:sldId id="262" r:id="rId9"/>
   </p:sldIdLst>
   <p:sldSz cx="12192000" cy="6858000"/>
   <p:notesSz cx="6858000" cy="9144000"/>
@@ -4309,12 +4310,161 @@
           <a:chExt cx="0" cy="0"/>
         </a:xfrm>
       </p:grpSpPr>
+      <p:sp>
+        <p:nvSpPr>
+          <p:cNvPr id="2" name="Titre 1">
+            <a:extLst>
+              <a:ext uri="{FF2B5EF4-FFF2-40B4-BE49-F238E27FC236}">
+                <a16:creationId xmlns:a16="http://schemas.microsoft.com/office/drawing/2014/main" id="{C95AC394-ACCF-6A10-D306-A184F8082DCD}"/>
+              </a:ext>
+            </a:extLst>
+          </p:cNvPr>
+          <p:cNvSpPr>
+            <a:spLocks noGrp="1"/>
+          </p:cNvSpPr>
+          <p:nvPr>
+            <p:ph type="title"/>
+          </p:nvPr>
+        </p:nvSpPr>
+        <p:spPr/>
+        <p:txBody>
+          <a:bodyPr/>
+          <a:lstStyle/>
+          <a:p>
+            <a:r>
+              <a:rPr lang="fr-FR" dirty="0">
+                <a:latin typeface="Arial Black" panose="020B0A04020102020204" pitchFamily="34" charset="0"/>
+              </a:rPr>
+              <a:t>Notes et références</a:t>
+            </a:r>
+          </a:p>
+        </p:txBody>
+      </p:sp>
+      <p:sp>
+        <p:nvSpPr>
+          <p:cNvPr id="3" name="Espace réservé du contenu 2">
+            <a:extLst>
+              <a:ext uri="{FF2B5EF4-FFF2-40B4-BE49-F238E27FC236}">
+                <a16:creationId xmlns:a16="http://schemas.microsoft.com/office/drawing/2014/main" id="{2C595172-A7E3-1B83-98AC-8E492C8D9E54}"/>
+              </a:ext>
+            </a:extLst>
+          </p:cNvPr>
+          <p:cNvSpPr>
+            <a:spLocks noGrp="1"/>
+          </p:cNvSpPr>
+          <p:nvPr>
+            <p:ph idx="1"/>
+          </p:nvPr>
+        </p:nvSpPr>
+        <p:spPr/>
+        <p:txBody>
+          <a:bodyPr/>
+          <a:lstStyle/>
+          <a:p>
+            <a:r>
+              <a:rPr lang="fr-FR" dirty="0">
+                <a:hlinkClick r:id="rId2"/>
+              </a:rPr>
+              <a:t>https://skillsforall.com</a:t>
+            </a:r>
+            <a:endParaRPr lang="fr-FR" dirty="0"/>
+          </a:p>
+          <a:p>
+            <a:r>
+              <a:rPr lang="fr-FR" dirty="0">
+                <a:hlinkClick r:id="rId3"/>
+              </a:rPr>
+              <a:t>https://www.youtube.com/@ultraconfig9489</a:t>
+            </a:r>
+            <a:endParaRPr lang="fr-FR" dirty="0"/>
+          </a:p>
+          <a:p>
+            <a:pPr marL="0" indent="0">
+              <a:buNone/>
+            </a:pPr>
+            <a:endParaRPr lang="fr-FR" dirty="0"/>
+          </a:p>
+          <a:p>
+            <a:pPr marL="0" indent="0">
+              <a:buNone/>
+            </a:pPr>
+            <a:endParaRPr lang="fr-FR" dirty="0"/>
+          </a:p>
+          <a:p>
+            <a:pPr marL="0" indent="0">
+              <a:buNone/>
+            </a:pPr>
+            <a:endParaRPr lang="fr-FR" dirty="0"/>
+          </a:p>
+          <a:p>
+            <a:pPr marL="0" indent="0">
+              <a:buNone/>
+            </a:pPr>
+            <a:r>
+              <a:rPr lang="fr-FR" dirty="0">
+                <a:latin typeface="Arial Black" panose="020B0A04020102020204" pitchFamily="34" charset="0"/>
+              </a:rPr>
+              <a:t>Merci à toutes les personnes qui m'ont aidé</a:t>
+            </a:r>
+          </a:p>
+          <a:p>
+            <a:pPr marL="0" indent="0">
+              <a:buNone/>
+            </a:pPr>
+            <a:r>
+              <a:rPr lang="fr-FR" dirty="0">
+                <a:latin typeface="Arial Black" panose="020B0A04020102020204" pitchFamily="34" charset="0"/>
+              </a:rPr>
+              <a:t>dans cette présentation. </a:t>
+            </a:r>
+          </a:p>
+          <a:p>
+            <a:pPr marL="0" indent="0">
+              <a:buNone/>
+            </a:pPr>
+            <a:endParaRPr lang="fr-FR" dirty="0"/>
+          </a:p>
+          <a:p>
+            <a:endParaRPr lang="fr-FR" dirty="0"/>
+          </a:p>
+        </p:txBody>
+      </p:sp>
+    </p:spTree>
+    <p:extLst>
+      <p:ext uri="{BB962C8B-B14F-4D97-AF65-F5344CB8AC3E}">
+        <p14:creationId xmlns:p14="http://schemas.microsoft.com/office/powerpoint/2010/main" val="2528212542"/>
+      </p:ext>
+    </p:extLst>
+  </p:cSld>
+  <p:clrMapOvr>
+    <a:masterClrMapping/>
+  </p:clrMapOvr>
+</p:sld>
+</file>
+
+<file path=ppt/slides/slide7.xml><?xml version="1.0" encoding="utf-8"?>
+<p:sld xmlns:a="http://schemas.openxmlformats.org/drawingml/2006/main" xmlns:r="http://schemas.openxmlformats.org/officeDocument/2006/relationships" xmlns:p="http://schemas.openxmlformats.org/presentationml/2006/main">
+  <p:cSld>
+    <p:spTree>
+      <p:nvGrpSpPr>
+        <p:cNvPr id="1" name=""/>
+        <p:cNvGrpSpPr/>
+        <p:nvPr/>
+      </p:nvGrpSpPr>
+      <p:grpSpPr>
+        <a:xfrm>
+          <a:off x="0" y="0"/>
+          <a:ext cx="0" cy="0"/>
+          <a:chOff x="0" y="0"/>
+          <a:chExt cx="0" cy="0"/>
+        </a:xfrm>
+      </p:grpSpPr>
       <p:pic>
         <p:nvPicPr>
-          <p:cNvPr id="4" name="Image 3">
-            <a:extLst>
-              <a:ext uri="{FF2B5EF4-FFF2-40B4-BE49-F238E27FC236}">
-                <a16:creationId xmlns:a16="http://schemas.microsoft.com/office/drawing/2014/main" id="{0FCE91B7-730D-DF3E-9E49-1BB778C54DCC}"/>
+          <p:cNvPr id="5" name="Image 4">
+            <a:extLst>
+              <a:ext uri="{FF2B5EF4-FFF2-40B4-BE49-F238E27FC236}">
+                <a16:creationId xmlns:a16="http://schemas.microsoft.com/office/drawing/2014/main" id="{CC8796E8-11EC-138D-4F94-27B601123802}"/>
               </a:ext>
             </a:extLst>
           </p:cNvPr>
@@ -4331,8 +4481,8 @@
         </p:blipFill>
         <p:spPr>
           <a:xfrm>
-            <a:off x="0" y="-633983"/>
-            <a:ext cx="12191999" cy="8125966"/>
+            <a:off x="0" y="0"/>
+            <a:ext cx="12192000" cy="7040880"/>
           </a:xfrm>
           <a:prstGeom prst="rect">
             <a:avLst/>
@@ -4357,7 +4507,7 @@
         </p:nvSpPr>
         <p:spPr>
           <a:xfrm>
-            <a:off x="838199" y="140839"/>
+            <a:off x="838199" y="495402"/>
             <a:ext cx="10515600" cy="1325563"/>
           </a:xfrm>
         </p:spPr>
@@ -4421,7 +4571,7 @@
         </p:nvSpPr>
         <p:spPr>
           <a:xfrm>
-            <a:off x="3891951" y="5129542"/>
+            <a:off x="5367068" y="5526357"/>
             <a:ext cx="9263332" cy="1443786"/>
           </a:xfrm>
         </p:spPr>
@@ -4433,7 +4583,7 @@
               <a:buNone/>
             </a:pPr>
             <a:r>
-              <a:rPr lang="en-US" sz="4000" dirty="0">
+              <a:rPr lang="en-US" sz="5400" dirty="0">
                 <a:solidFill>
                   <a:schemeClr val="bg1"/>
                 </a:solidFill>
@@ -4463,7 +4613,7 @@
 </p:sld>
 </file>
 
-<file path=ppt/slides/slide7.xml><?xml version="1.0" encoding="utf-8"?>
+<file path=ppt/slides/slide8.xml><?xml version="1.0" encoding="utf-8"?>
 <p:sld xmlns:a="http://schemas.openxmlformats.org/drawingml/2006/main" xmlns:r="http://schemas.openxmlformats.org/officeDocument/2006/relationships" xmlns:p="http://schemas.openxmlformats.org/presentationml/2006/main">
   <p:cSld>
     <p:spTree>
